--- a/figures/Figure4.pptx
+++ b/figures/Figure4.pptx
@@ -2,13 +2,14 @@
 <file path=ppt/presentation.xml><?xml version="1.0" encoding="utf-8"?>
 <p:presentation xmlns:a="http://schemas.openxmlformats.org/drawingml/2006/main" xmlns:r="http://schemas.openxmlformats.org/officeDocument/2006/relationships" xmlns:p="http://schemas.openxmlformats.org/presentationml/2006/main" saveSubsetFonts="1">
   <p:sldMasterIdLst>
-    <p:sldMasterId id="2147483828" r:id="rId1"/>
+    <p:sldMasterId id="2147483936" r:id="rId1"/>
   </p:sldMasterIdLst>
   <p:sldIdLst>
     <p:sldId id="256" r:id="rId2"/>
+    <p:sldId id="257" r:id="rId3"/>
   </p:sldIdLst>
-  <p:sldSz cx="12599988" cy="13860463"/>
-  <p:notesSz cx="6858000" cy="9144000"/>
+  <p:sldSz cx="14400213" cy="7199313"/>
+  <p:notesSz cx="9144000" cy="6858000"/>
   <p:defaultTextStyle>
     <a:defPPr>
       <a:defRPr lang="en-US"/>
@@ -141,15 +142,15 @@
         </p:nvSpPr>
         <p:spPr>
           <a:xfrm>
-            <a:off x="944999" y="2268368"/>
-            <a:ext cx="10709990" cy="4825495"/>
+            <a:off x="1800027" y="1178222"/>
+            <a:ext cx="10800160" cy="2506427"/>
           </a:xfrm>
         </p:spPr>
         <p:txBody>
           <a:bodyPr anchor="b"/>
           <a:lstStyle>
             <a:lvl1pPr algn="ctr">
-              <a:defRPr sz="8268"/>
+              <a:defRPr sz="6299"/>
             </a:lvl1pPr>
           </a:lstStyle>
           <a:p>
@@ -173,8 +174,8 @@
         </p:nvSpPr>
         <p:spPr>
           <a:xfrm>
-            <a:off x="1574999" y="7279953"/>
-            <a:ext cx="9449991" cy="3346402"/>
+            <a:off x="1800027" y="3781306"/>
+            <a:ext cx="10800160" cy="1738167"/>
           </a:xfrm>
         </p:spPr>
         <p:txBody>
@@ -182,39 +183,39 @@
           <a:lstStyle>
             <a:lvl1pPr marL="0" indent="0" algn="ctr">
               <a:buNone/>
-              <a:defRPr sz="3307"/>
+              <a:defRPr sz="2520"/>
             </a:lvl1pPr>
-            <a:lvl2pPr marL="630022" indent="0" algn="ctr">
-              <a:buNone/>
-              <a:defRPr sz="2756"/>
+            <a:lvl2pPr marL="479969" indent="0" algn="ctr">
+              <a:buNone/>
+              <a:defRPr sz="2100"/>
             </a:lvl2pPr>
-            <a:lvl3pPr marL="1260043" indent="0" algn="ctr">
-              <a:buNone/>
-              <a:defRPr sz="2480"/>
+            <a:lvl3pPr marL="959937" indent="0" algn="ctr">
+              <a:buNone/>
+              <a:defRPr sz="1890"/>
             </a:lvl3pPr>
-            <a:lvl4pPr marL="1890065" indent="0" algn="ctr">
-              <a:buNone/>
-              <a:defRPr sz="2205"/>
+            <a:lvl4pPr marL="1439906" indent="0" algn="ctr">
+              <a:buNone/>
+              <a:defRPr sz="1680"/>
             </a:lvl4pPr>
-            <a:lvl5pPr marL="2520086" indent="0" algn="ctr">
-              <a:buNone/>
-              <a:defRPr sz="2205"/>
+            <a:lvl5pPr marL="1919874" indent="0" algn="ctr">
+              <a:buNone/>
+              <a:defRPr sz="1680"/>
             </a:lvl5pPr>
-            <a:lvl6pPr marL="3150108" indent="0" algn="ctr">
-              <a:buNone/>
-              <a:defRPr sz="2205"/>
+            <a:lvl6pPr marL="2399843" indent="0" algn="ctr">
+              <a:buNone/>
+              <a:defRPr sz="1680"/>
             </a:lvl6pPr>
-            <a:lvl7pPr marL="3780130" indent="0" algn="ctr">
-              <a:buNone/>
-              <a:defRPr sz="2205"/>
+            <a:lvl7pPr marL="2879811" indent="0" algn="ctr">
+              <a:buNone/>
+              <a:defRPr sz="1680"/>
             </a:lvl7pPr>
-            <a:lvl8pPr marL="4410151" indent="0" algn="ctr">
-              <a:buNone/>
-              <a:defRPr sz="2205"/>
+            <a:lvl8pPr marL="3359780" indent="0" algn="ctr">
+              <a:buNone/>
+              <a:defRPr sz="1680"/>
             </a:lvl8pPr>
-            <a:lvl9pPr marL="5040173" indent="0" algn="ctr">
-              <a:buNone/>
-              <a:defRPr sz="2205"/>
+            <a:lvl9pPr marL="3839748" indent="0" algn="ctr">
+              <a:buNone/>
+              <a:defRPr sz="1680"/>
             </a:lvl9pPr>
           </a:lstStyle>
           <a:p>
@@ -243,7 +244,7 @@
           <a:p>
             <a:fld id="{A198C7A8-F79D-4175-B575-7277BDCA6D30}" type="datetimeFigureOut">
               <a:rPr lang="en-GB" smtClean="0"/>
-              <a:t>28/02/2023</a:t>
+              <a:t>27/06/2023</a:t>
             </a:fld>
             <a:endParaRPr lang="en-GB"/>
           </a:p>
@@ -294,7 +295,7 @@
     </p:spTree>
     <p:extLst>
       <p:ext uri="{BB962C8B-B14F-4D97-AF65-F5344CB8AC3E}">
-        <p14:creationId xmlns:p14="http://schemas.microsoft.com/office/powerpoint/2010/main" val="2292846459"/>
+        <p14:creationId xmlns:p14="http://schemas.microsoft.com/office/powerpoint/2010/main" val="3967966857"/>
       </p:ext>
     </p:extLst>
   </p:cSld>
@@ -413,7 +414,7 @@
           <a:p>
             <a:fld id="{A198C7A8-F79D-4175-B575-7277BDCA6D30}" type="datetimeFigureOut">
               <a:rPr lang="en-GB" smtClean="0"/>
-              <a:t>28/02/2023</a:t>
+              <a:t>27/06/2023</a:t>
             </a:fld>
             <a:endParaRPr lang="en-GB"/>
           </a:p>
@@ -464,7 +465,7 @@
     </p:spTree>
     <p:extLst>
       <p:ext uri="{BB962C8B-B14F-4D97-AF65-F5344CB8AC3E}">
-        <p14:creationId xmlns:p14="http://schemas.microsoft.com/office/powerpoint/2010/main" val="3741410526"/>
+        <p14:creationId xmlns:p14="http://schemas.microsoft.com/office/powerpoint/2010/main" val="1956787881"/>
       </p:ext>
     </p:extLst>
   </p:cSld>
@@ -503,8 +504,8 @@
         </p:nvSpPr>
         <p:spPr>
           <a:xfrm>
-            <a:off x="9016867" y="737941"/>
-            <a:ext cx="2716872" cy="11746102"/>
+            <a:off x="10305152" y="383297"/>
+            <a:ext cx="3105046" cy="6101085"/>
           </a:xfrm>
         </p:spPr>
         <p:txBody>
@@ -531,8 +532,8 @@
         </p:nvSpPr>
         <p:spPr>
           <a:xfrm>
-            <a:off x="866250" y="737941"/>
-            <a:ext cx="7993117" cy="11746102"/>
+            <a:off x="990015" y="383297"/>
+            <a:ext cx="9135135" cy="6101085"/>
           </a:xfrm>
         </p:spPr>
         <p:txBody>
@@ -593,7 +594,7 @@
           <a:p>
             <a:fld id="{A198C7A8-F79D-4175-B575-7277BDCA6D30}" type="datetimeFigureOut">
               <a:rPr lang="en-GB" smtClean="0"/>
-              <a:t>28/02/2023</a:t>
+              <a:t>27/06/2023</a:t>
             </a:fld>
             <a:endParaRPr lang="en-GB"/>
           </a:p>
@@ -644,7 +645,7 @@
     </p:spTree>
     <p:extLst>
       <p:ext uri="{BB962C8B-B14F-4D97-AF65-F5344CB8AC3E}">
-        <p14:creationId xmlns:p14="http://schemas.microsoft.com/office/powerpoint/2010/main" val="1569529995"/>
+        <p14:creationId xmlns:p14="http://schemas.microsoft.com/office/powerpoint/2010/main" val="4228369323"/>
       </p:ext>
     </p:extLst>
   </p:cSld>
@@ -763,7 +764,7 @@
           <a:p>
             <a:fld id="{A198C7A8-F79D-4175-B575-7277BDCA6D30}" type="datetimeFigureOut">
               <a:rPr lang="en-GB" smtClean="0"/>
-              <a:t>28/02/2023</a:t>
+              <a:t>27/06/2023</a:t>
             </a:fld>
             <a:endParaRPr lang="en-GB"/>
           </a:p>
@@ -814,7 +815,7 @@
     </p:spTree>
     <p:extLst>
       <p:ext uri="{BB962C8B-B14F-4D97-AF65-F5344CB8AC3E}">
-        <p14:creationId xmlns:p14="http://schemas.microsoft.com/office/powerpoint/2010/main" val="3889914904"/>
+        <p14:creationId xmlns:p14="http://schemas.microsoft.com/office/powerpoint/2010/main" val="2679783682"/>
       </p:ext>
     </p:extLst>
   </p:cSld>
@@ -853,15 +854,15 @@
         </p:nvSpPr>
         <p:spPr>
           <a:xfrm>
-            <a:off x="859687" y="3455494"/>
-            <a:ext cx="10867490" cy="5765567"/>
+            <a:off x="982514" y="1794830"/>
+            <a:ext cx="12420184" cy="2994714"/>
           </a:xfrm>
         </p:spPr>
         <p:txBody>
           <a:bodyPr anchor="b"/>
           <a:lstStyle>
             <a:lvl1pPr>
-              <a:defRPr sz="8268"/>
+              <a:defRPr sz="6299"/>
             </a:lvl1pPr>
           </a:lstStyle>
           <a:p>
@@ -885,8 +886,8 @@
         </p:nvSpPr>
         <p:spPr>
           <a:xfrm>
-            <a:off x="859687" y="9275606"/>
-            <a:ext cx="10867490" cy="3031975"/>
+            <a:off x="982514" y="4817875"/>
+            <a:ext cx="12420184" cy="1574849"/>
           </a:xfrm>
         </p:spPr>
         <p:txBody>
@@ -894,15 +895,17 @@
           <a:lstStyle>
             <a:lvl1pPr marL="0" indent="0">
               <a:buNone/>
-              <a:defRPr sz="3307">
+              <a:defRPr sz="2520">
                 <a:solidFill>
-                  <a:schemeClr val="tx1"/>
+                  <a:schemeClr val="tx1">
+                    <a:tint val="75000"/>
+                  </a:schemeClr>
                 </a:solidFill>
               </a:defRPr>
             </a:lvl1pPr>
-            <a:lvl2pPr marL="630022" indent="0">
-              <a:buNone/>
-              <a:defRPr sz="2756">
+            <a:lvl2pPr marL="479969" indent="0">
+              <a:buNone/>
+              <a:defRPr sz="2100">
                 <a:solidFill>
                   <a:schemeClr val="tx1">
                     <a:tint val="75000"/>
@@ -910,9 +913,9 @@
                 </a:solidFill>
               </a:defRPr>
             </a:lvl2pPr>
-            <a:lvl3pPr marL="1260043" indent="0">
-              <a:buNone/>
-              <a:defRPr sz="2480">
+            <a:lvl3pPr marL="959937" indent="0">
+              <a:buNone/>
+              <a:defRPr sz="1890">
                 <a:solidFill>
                   <a:schemeClr val="tx1">
                     <a:tint val="75000"/>
@@ -920,9 +923,9 @@
                 </a:solidFill>
               </a:defRPr>
             </a:lvl3pPr>
-            <a:lvl4pPr marL="1890065" indent="0">
-              <a:buNone/>
-              <a:defRPr sz="2205">
+            <a:lvl4pPr marL="1439906" indent="0">
+              <a:buNone/>
+              <a:defRPr sz="1680">
                 <a:solidFill>
                   <a:schemeClr val="tx1">
                     <a:tint val="75000"/>
@@ -930,9 +933,9 @@
                 </a:solidFill>
               </a:defRPr>
             </a:lvl4pPr>
-            <a:lvl5pPr marL="2520086" indent="0">
-              <a:buNone/>
-              <a:defRPr sz="2205">
+            <a:lvl5pPr marL="1919874" indent="0">
+              <a:buNone/>
+              <a:defRPr sz="1680">
                 <a:solidFill>
                   <a:schemeClr val="tx1">
                     <a:tint val="75000"/>
@@ -940,9 +943,9 @@
                 </a:solidFill>
               </a:defRPr>
             </a:lvl5pPr>
-            <a:lvl6pPr marL="3150108" indent="0">
-              <a:buNone/>
-              <a:defRPr sz="2205">
+            <a:lvl6pPr marL="2399843" indent="0">
+              <a:buNone/>
+              <a:defRPr sz="1680">
                 <a:solidFill>
                   <a:schemeClr val="tx1">
                     <a:tint val="75000"/>
@@ -950,9 +953,9 @@
                 </a:solidFill>
               </a:defRPr>
             </a:lvl6pPr>
-            <a:lvl7pPr marL="3780130" indent="0">
-              <a:buNone/>
-              <a:defRPr sz="2205">
+            <a:lvl7pPr marL="2879811" indent="0">
+              <a:buNone/>
+              <a:defRPr sz="1680">
                 <a:solidFill>
                   <a:schemeClr val="tx1">
                     <a:tint val="75000"/>
@@ -960,9 +963,9 @@
                 </a:solidFill>
               </a:defRPr>
             </a:lvl7pPr>
-            <a:lvl8pPr marL="4410151" indent="0">
-              <a:buNone/>
-              <a:defRPr sz="2205">
+            <a:lvl8pPr marL="3359780" indent="0">
+              <a:buNone/>
+              <a:defRPr sz="1680">
                 <a:solidFill>
                   <a:schemeClr val="tx1">
                     <a:tint val="75000"/>
@@ -970,9 +973,9 @@
                 </a:solidFill>
               </a:defRPr>
             </a:lvl8pPr>
-            <a:lvl9pPr marL="5040173" indent="0">
-              <a:buNone/>
-              <a:defRPr sz="2205">
+            <a:lvl9pPr marL="3839748" indent="0">
+              <a:buNone/>
+              <a:defRPr sz="1680">
                 <a:solidFill>
                   <a:schemeClr val="tx1">
                     <a:tint val="75000"/>
@@ -1007,7 +1010,7 @@
           <a:p>
             <a:fld id="{A198C7A8-F79D-4175-B575-7277BDCA6D30}" type="datetimeFigureOut">
               <a:rPr lang="en-GB" smtClean="0"/>
-              <a:t>28/02/2023</a:t>
+              <a:t>27/06/2023</a:t>
             </a:fld>
             <a:endParaRPr lang="en-GB"/>
           </a:p>
@@ -1058,7 +1061,7 @@
     </p:spTree>
     <p:extLst>
       <p:ext uri="{BB962C8B-B14F-4D97-AF65-F5344CB8AC3E}">
-        <p14:creationId xmlns:p14="http://schemas.microsoft.com/office/powerpoint/2010/main" val="106611939"/>
+        <p14:creationId xmlns:p14="http://schemas.microsoft.com/office/powerpoint/2010/main" val="1845204349"/>
       </p:ext>
     </p:extLst>
   </p:cSld>
@@ -1120,8 +1123,8 @@
         </p:nvSpPr>
         <p:spPr>
           <a:xfrm>
-            <a:off x="866249" y="3689707"/>
-            <a:ext cx="5354995" cy="8794336"/>
+            <a:off x="990014" y="1916484"/>
+            <a:ext cx="6120091" cy="4567898"/>
           </a:xfrm>
         </p:spPr>
         <p:txBody>
@@ -1177,8 +1180,8 @@
         </p:nvSpPr>
         <p:spPr>
           <a:xfrm>
-            <a:off x="6378744" y="3689707"/>
-            <a:ext cx="5354995" cy="8794336"/>
+            <a:off x="7290108" y="1916484"/>
+            <a:ext cx="6120091" cy="4567898"/>
           </a:xfrm>
         </p:spPr>
         <p:txBody>
@@ -1239,7 +1242,7 @@
           <a:p>
             <a:fld id="{A198C7A8-F79D-4175-B575-7277BDCA6D30}" type="datetimeFigureOut">
               <a:rPr lang="en-GB" smtClean="0"/>
-              <a:t>28/02/2023</a:t>
+              <a:t>27/06/2023</a:t>
             </a:fld>
             <a:endParaRPr lang="en-GB"/>
           </a:p>
@@ -1290,7 +1293,7 @@
     </p:spTree>
     <p:extLst>
       <p:ext uri="{BB962C8B-B14F-4D97-AF65-F5344CB8AC3E}">
-        <p14:creationId xmlns:p14="http://schemas.microsoft.com/office/powerpoint/2010/main" val="3666812188"/>
+        <p14:creationId xmlns:p14="http://schemas.microsoft.com/office/powerpoint/2010/main" val="864685846"/>
       </p:ext>
     </p:extLst>
   </p:cSld>
@@ -1329,8 +1332,8 @@
         </p:nvSpPr>
         <p:spPr>
           <a:xfrm>
-            <a:off x="867890" y="737944"/>
-            <a:ext cx="10867490" cy="2679049"/>
+            <a:off x="991890" y="383297"/>
+            <a:ext cx="12420184" cy="1391534"/>
           </a:xfrm>
         </p:spPr>
         <p:txBody>
@@ -1357,8 +1360,8 @@
         </p:nvSpPr>
         <p:spPr>
           <a:xfrm>
-            <a:off x="867892" y="3397739"/>
-            <a:ext cx="5330385" cy="1665180"/>
+            <a:off x="991891" y="1764832"/>
+            <a:ext cx="6091965" cy="864917"/>
           </a:xfrm>
         </p:spPr>
         <p:txBody>
@@ -1366,39 +1369,39 @@
           <a:lstStyle>
             <a:lvl1pPr marL="0" indent="0">
               <a:buNone/>
-              <a:defRPr sz="3307" b="1"/>
+              <a:defRPr sz="2520" b="1"/>
             </a:lvl1pPr>
-            <a:lvl2pPr marL="630022" indent="0">
-              <a:buNone/>
-              <a:defRPr sz="2756" b="1"/>
+            <a:lvl2pPr marL="479969" indent="0">
+              <a:buNone/>
+              <a:defRPr sz="2100" b="1"/>
             </a:lvl2pPr>
-            <a:lvl3pPr marL="1260043" indent="0">
-              <a:buNone/>
-              <a:defRPr sz="2480" b="1"/>
+            <a:lvl3pPr marL="959937" indent="0">
+              <a:buNone/>
+              <a:defRPr sz="1890" b="1"/>
             </a:lvl3pPr>
-            <a:lvl4pPr marL="1890065" indent="0">
-              <a:buNone/>
-              <a:defRPr sz="2205" b="1"/>
+            <a:lvl4pPr marL="1439906" indent="0">
+              <a:buNone/>
+              <a:defRPr sz="1680" b="1"/>
             </a:lvl4pPr>
-            <a:lvl5pPr marL="2520086" indent="0">
-              <a:buNone/>
-              <a:defRPr sz="2205" b="1"/>
+            <a:lvl5pPr marL="1919874" indent="0">
+              <a:buNone/>
+              <a:defRPr sz="1680" b="1"/>
             </a:lvl5pPr>
-            <a:lvl6pPr marL="3150108" indent="0">
-              <a:buNone/>
-              <a:defRPr sz="2205" b="1"/>
+            <a:lvl6pPr marL="2399843" indent="0">
+              <a:buNone/>
+              <a:defRPr sz="1680" b="1"/>
             </a:lvl6pPr>
-            <a:lvl7pPr marL="3780130" indent="0">
-              <a:buNone/>
-              <a:defRPr sz="2205" b="1"/>
+            <a:lvl7pPr marL="2879811" indent="0">
+              <a:buNone/>
+              <a:defRPr sz="1680" b="1"/>
             </a:lvl7pPr>
-            <a:lvl8pPr marL="4410151" indent="0">
-              <a:buNone/>
-              <a:defRPr sz="2205" b="1"/>
+            <a:lvl8pPr marL="3359780" indent="0">
+              <a:buNone/>
+              <a:defRPr sz="1680" b="1"/>
             </a:lvl8pPr>
-            <a:lvl9pPr marL="5040173" indent="0">
-              <a:buNone/>
-              <a:defRPr sz="2205" b="1"/>
+            <a:lvl9pPr marL="3839748" indent="0">
+              <a:buNone/>
+              <a:defRPr sz="1680" b="1"/>
             </a:lvl9pPr>
           </a:lstStyle>
           <a:p>
@@ -1422,8 +1425,8 @@
         </p:nvSpPr>
         <p:spPr>
           <a:xfrm>
-            <a:off x="867892" y="5062919"/>
-            <a:ext cx="5330385" cy="7446791"/>
+            <a:off x="991891" y="2629749"/>
+            <a:ext cx="6091965" cy="3867965"/>
           </a:xfrm>
         </p:spPr>
         <p:txBody>
@@ -1479,8 +1482,8 @@
         </p:nvSpPr>
         <p:spPr>
           <a:xfrm>
-            <a:off x="6378745" y="3397739"/>
-            <a:ext cx="5356636" cy="1665180"/>
+            <a:off x="7290108" y="1764832"/>
+            <a:ext cx="6121966" cy="864917"/>
           </a:xfrm>
         </p:spPr>
         <p:txBody>
@@ -1488,39 +1491,39 @@
           <a:lstStyle>
             <a:lvl1pPr marL="0" indent="0">
               <a:buNone/>
-              <a:defRPr sz="3307" b="1"/>
+              <a:defRPr sz="2520" b="1"/>
             </a:lvl1pPr>
-            <a:lvl2pPr marL="630022" indent="0">
-              <a:buNone/>
-              <a:defRPr sz="2756" b="1"/>
+            <a:lvl2pPr marL="479969" indent="0">
+              <a:buNone/>
+              <a:defRPr sz="2100" b="1"/>
             </a:lvl2pPr>
-            <a:lvl3pPr marL="1260043" indent="0">
-              <a:buNone/>
-              <a:defRPr sz="2480" b="1"/>
+            <a:lvl3pPr marL="959937" indent="0">
+              <a:buNone/>
+              <a:defRPr sz="1890" b="1"/>
             </a:lvl3pPr>
-            <a:lvl4pPr marL="1890065" indent="0">
-              <a:buNone/>
-              <a:defRPr sz="2205" b="1"/>
+            <a:lvl4pPr marL="1439906" indent="0">
+              <a:buNone/>
+              <a:defRPr sz="1680" b="1"/>
             </a:lvl4pPr>
-            <a:lvl5pPr marL="2520086" indent="0">
-              <a:buNone/>
-              <a:defRPr sz="2205" b="1"/>
+            <a:lvl5pPr marL="1919874" indent="0">
+              <a:buNone/>
+              <a:defRPr sz="1680" b="1"/>
             </a:lvl5pPr>
-            <a:lvl6pPr marL="3150108" indent="0">
-              <a:buNone/>
-              <a:defRPr sz="2205" b="1"/>
+            <a:lvl6pPr marL="2399843" indent="0">
+              <a:buNone/>
+              <a:defRPr sz="1680" b="1"/>
             </a:lvl6pPr>
-            <a:lvl7pPr marL="3780130" indent="0">
-              <a:buNone/>
-              <a:defRPr sz="2205" b="1"/>
+            <a:lvl7pPr marL="2879811" indent="0">
+              <a:buNone/>
+              <a:defRPr sz="1680" b="1"/>
             </a:lvl7pPr>
-            <a:lvl8pPr marL="4410151" indent="0">
-              <a:buNone/>
-              <a:defRPr sz="2205" b="1"/>
+            <a:lvl8pPr marL="3359780" indent="0">
+              <a:buNone/>
+              <a:defRPr sz="1680" b="1"/>
             </a:lvl8pPr>
-            <a:lvl9pPr marL="5040173" indent="0">
-              <a:buNone/>
-              <a:defRPr sz="2205" b="1"/>
+            <a:lvl9pPr marL="3839748" indent="0">
+              <a:buNone/>
+              <a:defRPr sz="1680" b="1"/>
             </a:lvl9pPr>
           </a:lstStyle>
           <a:p>
@@ -1544,8 +1547,8 @@
         </p:nvSpPr>
         <p:spPr>
           <a:xfrm>
-            <a:off x="6378745" y="5062919"/>
-            <a:ext cx="5356636" cy="7446791"/>
+            <a:off x="7290108" y="2629749"/>
+            <a:ext cx="6121966" cy="3867965"/>
           </a:xfrm>
         </p:spPr>
         <p:txBody>
@@ -1606,7 +1609,7 @@
           <a:p>
             <a:fld id="{A198C7A8-F79D-4175-B575-7277BDCA6D30}" type="datetimeFigureOut">
               <a:rPr lang="en-GB" smtClean="0"/>
-              <a:t>28/02/2023</a:t>
+              <a:t>27/06/2023</a:t>
             </a:fld>
             <a:endParaRPr lang="en-GB"/>
           </a:p>
@@ -1657,7 +1660,7 @@
     </p:spTree>
     <p:extLst>
       <p:ext uri="{BB962C8B-B14F-4D97-AF65-F5344CB8AC3E}">
-        <p14:creationId xmlns:p14="http://schemas.microsoft.com/office/powerpoint/2010/main" val="88928552"/>
+        <p14:creationId xmlns:p14="http://schemas.microsoft.com/office/powerpoint/2010/main" val="758634102"/>
       </p:ext>
     </p:extLst>
   </p:cSld>
@@ -1724,7 +1727,7 @@
           <a:p>
             <a:fld id="{A198C7A8-F79D-4175-B575-7277BDCA6D30}" type="datetimeFigureOut">
               <a:rPr lang="en-GB" smtClean="0"/>
-              <a:t>28/02/2023</a:t>
+              <a:t>27/06/2023</a:t>
             </a:fld>
             <a:endParaRPr lang="en-GB"/>
           </a:p>
@@ -1775,7 +1778,7 @@
     </p:spTree>
     <p:extLst>
       <p:ext uri="{BB962C8B-B14F-4D97-AF65-F5344CB8AC3E}">
-        <p14:creationId xmlns:p14="http://schemas.microsoft.com/office/powerpoint/2010/main" val="696884755"/>
+        <p14:creationId xmlns:p14="http://schemas.microsoft.com/office/powerpoint/2010/main" val="23676394"/>
       </p:ext>
     </p:extLst>
   </p:cSld>
@@ -1819,7 +1822,7 @@
           <a:p>
             <a:fld id="{A198C7A8-F79D-4175-B575-7277BDCA6D30}" type="datetimeFigureOut">
               <a:rPr lang="en-GB" smtClean="0"/>
-              <a:t>28/02/2023</a:t>
+              <a:t>27/06/2023</a:t>
             </a:fld>
             <a:endParaRPr lang="en-GB"/>
           </a:p>
@@ -1870,7 +1873,7 @@
     </p:spTree>
     <p:extLst>
       <p:ext uri="{BB962C8B-B14F-4D97-AF65-F5344CB8AC3E}">
-        <p14:creationId xmlns:p14="http://schemas.microsoft.com/office/powerpoint/2010/main" val="3042978970"/>
+        <p14:creationId xmlns:p14="http://schemas.microsoft.com/office/powerpoint/2010/main" val="2872809401"/>
       </p:ext>
     </p:extLst>
   </p:cSld>
@@ -1909,15 +1912,15 @@
         </p:nvSpPr>
         <p:spPr>
           <a:xfrm>
-            <a:off x="867890" y="924031"/>
-            <a:ext cx="4063824" cy="3234108"/>
+            <a:off x="991891" y="479954"/>
+            <a:ext cx="4644443" cy="1679840"/>
           </a:xfrm>
         </p:spPr>
         <p:txBody>
           <a:bodyPr anchor="b"/>
           <a:lstStyle>
             <a:lvl1pPr>
-              <a:defRPr sz="4410"/>
+              <a:defRPr sz="3359"/>
             </a:lvl1pPr>
           </a:lstStyle>
           <a:p>
@@ -1941,39 +1944,39 @@
         </p:nvSpPr>
         <p:spPr>
           <a:xfrm>
-            <a:off x="5356636" y="1995653"/>
-            <a:ext cx="6378744" cy="9849912"/>
+            <a:off x="6121966" y="1036569"/>
+            <a:ext cx="7290108" cy="5116178"/>
           </a:xfrm>
         </p:spPr>
         <p:txBody>
           <a:bodyPr/>
           <a:lstStyle>
             <a:lvl1pPr>
-              <a:defRPr sz="4410"/>
+              <a:defRPr sz="3359"/>
             </a:lvl1pPr>
             <a:lvl2pPr>
-              <a:defRPr sz="3858"/>
+              <a:defRPr sz="2939"/>
             </a:lvl2pPr>
             <a:lvl3pPr>
-              <a:defRPr sz="3307"/>
+              <a:defRPr sz="2520"/>
             </a:lvl3pPr>
             <a:lvl4pPr>
-              <a:defRPr sz="2756"/>
+              <a:defRPr sz="2100"/>
             </a:lvl4pPr>
             <a:lvl5pPr>
-              <a:defRPr sz="2756"/>
+              <a:defRPr sz="2100"/>
             </a:lvl5pPr>
             <a:lvl6pPr>
-              <a:defRPr sz="2756"/>
+              <a:defRPr sz="2100"/>
             </a:lvl6pPr>
             <a:lvl7pPr>
-              <a:defRPr sz="2756"/>
+              <a:defRPr sz="2100"/>
             </a:lvl7pPr>
             <a:lvl8pPr>
-              <a:defRPr sz="2756"/>
+              <a:defRPr sz="2100"/>
             </a:lvl8pPr>
             <a:lvl9pPr>
-              <a:defRPr sz="2756"/>
+              <a:defRPr sz="2100"/>
             </a:lvl9pPr>
           </a:lstStyle>
           <a:p>
@@ -2026,8 +2029,8 @@
         </p:nvSpPr>
         <p:spPr>
           <a:xfrm>
-            <a:off x="867890" y="4158139"/>
-            <a:ext cx="4063824" cy="7703467"/>
+            <a:off x="991891" y="2159794"/>
+            <a:ext cx="4644443" cy="4001285"/>
           </a:xfrm>
         </p:spPr>
         <p:txBody>
@@ -2035,39 +2038,39 @@
           <a:lstStyle>
             <a:lvl1pPr marL="0" indent="0">
               <a:buNone/>
-              <a:defRPr sz="2205"/>
+              <a:defRPr sz="1680"/>
             </a:lvl1pPr>
-            <a:lvl2pPr marL="630022" indent="0">
-              <a:buNone/>
-              <a:defRPr sz="1929"/>
+            <a:lvl2pPr marL="479969" indent="0">
+              <a:buNone/>
+              <a:defRPr sz="1470"/>
             </a:lvl2pPr>
-            <a:lvl3pPr marL="1260043" indent="0">
-              <a:buNone/>
-              <a:defRPr sz="1654"/>
+            <a:lvl3pPr marL="959937" indent="0">
+              <a:buNone/>
+              <a:defRPr sz="1260"/>
             </a:lvl3pPr>
-            <a:lvl4pPr marL="1890065" indent="0">
-              <a:buNone/>
-              <a:defRPr sz="1378"/>
+            <a:lvl4pPr marL="1439906" indent="0">
+              <a:buNone/>
+              <a:defRPr sz="1050"/>
             </a:lvl4pPr>
-            <a:lvl5pPr marL="2520086" indent="0">
-              <a:buNone/>
-              <a:defRPr sz="1378"/>
+            <a:lvl5pPr marL="1919874" indent="0">
+              <a:buNone/>
+              <a:defRPr sz="1050"/>
             </a:lvl5pPr>
-            <a:lvl6pPr marL="3150108" indent="0">
-              <a:buNone/>
-              <a:defRPr sz="1378"/>
+            <a:lvl6pPr marL="2399843" indent="0">
+              <a:buNone/>
+              <a:defRPr sz="1050"/>
             </a:lvl6pPr>
-            <a:lvl7pPr marL="3780130" indent="0">
-              <a:buNone/>
-              <a:defRPr sz="1378"/>
+            <a:lvl7pPr marL="2879811" indent="0">
+              <a:buNone/>
+              <a:defRPr sz="1050"/>
             </a:lvl7pPr>
-            <a:lvl8pPr marL="4410151" indent="0">
-              <a:buNone/>
-              <a:defRPr sz="1378"/>
+            <a:lvl8pPr marL="3359780" indent="0">
+              <a:buNone/>
+              <a:defRPr sz="1050"/>
             </a:lvl8pPr>
-            <a:lvl9pPr marL="5040173" indent="0">
-              <a:buNone/>
-              <a:defRPr sz="1378"/>
+            <a:lvl9pPr marL="3839748" indent="0">
+              <a:buNone/>
+              <a:defRPr sz="1050"/>
             </a:lvl9pPr>
           </a:lstStyle>
           <a:p>
@@ -2096,7 +2099,7 @@
           <a:p>
             <a:fld id="{A198C7A8-F79D-4175-B575-7277BDCA6D30}" type="datetimeFigureOut">
               <a:rPr lang="en-GB" smtClean="0"/>
-              <a:t>28/02/2023</a:t>
+              <a:t>27/06/2023</a:t>
             </a:fld>
             <a:endParaRPr lang="en-GB"/>
           </a:p>
@@ -2147,7 +2150,7 @@
     </p:spTree>
     <p:extLst>
       <p:ext uri="{BB962C8B-B14F-4D97-AF65-F5344CB8AC3E}">
-        <p14:creationId xmlns:p14="http://schemas.microsoft.com/office/powerpoint/2010/main" val="1956148910"/>
+        <p14:creationId xmlns:p14="http://schemas.microsoft.com/office/powerpoint/2010/main" val="2740947795"/>
       </p:ext>
     </p:extLst>
   </p:cSld>
@@ -2186,15 +2189,15 @@
         </p:nvSpPr>
         <p:spPr>
           <a:xfrm>
-            <a:off x="867890" y="924031"/>
-            <a:ext cx="4063824" cy="3234108"/>
+            <a:off x="991891" y="479954"/>
+            <a:ext cx="4644443" cy="1679840"/>
           </a:xfrm>
         </p:spPr>
         <p:txBody>
           <a:bodyPr anchor="b"/>
           <a:lstStyle>
             <a:lvl1pPr>
-              <a:defRPr sz="4410"/>
+              <a:defRPr sz="3359"/>
             </a:lvl1pPr>
           </a:lstStyle>
           <a:p>
@@ -2218,8 +2221,8 @@
         </p:nvSpPr>
         <p:spPr>
           <a:xfrm>
-            <a:off x="5356636" y="1995653"/>
-            <a:ext cx="6378744" cy="9849912"/>
+            <a:off x="6121966" y="1036569"/>
+            <a:ext cx="7290108" cy="5116178"/>
           </a:xfrm>
         </p:spPr>
         <p:txBody>
@@ -2227,39 +2230,39 @@
           <a:lstStyle>
             <a:lvl1pPr marL="0" indent="0">
               <a:buNone/>
-              <a:defRPr sz="4410"/>
+              <a:defRPr sz="3359"/>
             </a:lvl1pPr>
-            <a:lvl2pPr marL="630022" indent="0">
-              <a:buNone/>
-              <a:defRPr sz="3858"/>
+            <a:lvl2pPr marL="479969" indent="0">
+              <a:buNone/>
+              <a:defRPr sz="2939"/>
             </a:lvl2pPr>
-            <a:lvl3pPr marL="1260043" indent="0">
-              <a:buNone/>
-              <a:defRPr sz="3307"/>
+            <a:lvl3pPr marL="959937" indent="0">
+              <a:buNone/>
+              <a:defRPr sz="2520"/>
             </a:lvl3pPr>
-            <a:lvl4pPr marL="1890065" indent="0">
-              <a:buNone/>
-              <a:defRPr sz="2756"/>
+            <a:lvl4pPr marL="1439906" indent="0">
+              <a:buNone/>
+              <a:defRPr sz="2100"/>
             </a:lvl4pPr>
-            <a:lvl5pPr marL="2520086" indent="0">
-              <a:buNone/>
-              <a:defRPr sz="2756"/>
+            <a:lvl5pPr marL="1919874" indent="0">
+              <a:buNone/>
+              <a:defRPr sz="2100"/>
             </a:lvl5pPr>
-            <a:lvl6pPr marL="3150108" indent="0">
-              <a:buNone/>
-              <a:defRPr sz="2756"/>
+            <a:lvl6pPr marL="2399843" indent="0">
+              <a:buNone/>
+              <a:defRPr sz="2100"/>
             </a:lvl6pPr>
-            <a:lvl7pPr marL="3780130" indent="0">
-              <a:buNone/>
-              <a:defRPr sz="2756"/>
+            <a:lvl7pPr marL="2879811" indent="0">
+              <a:buNone/>
+              <a:defRPr sz="2100"/>
             </a:lvl7pPr>
-            <a:lvl8pPr marL="4410151" indent="0">
-              <a:buNone/>
-              <a:defRPr sz="2756"/>
+            <a:lvl8pPr marL="3359780" indent="0">
+              <a:buNone/>
+              <a:defRPr sz="2100"/>
             </a:lvl8pPr>
-            <a:lvl9pPr marL="5040173" indent="0">
-              <a:buNone/>
-              <a:defRPr sz="2756"/>
+            <a:lvl9pPr marL="3839748" indent="0">
+              <a:buNone/>
+              <a:defRPr sz="2100"/>
             </a:lvl9pPr>
           </a:lstStyle>
           <a:p>
@@ -2283,8 +2286,8 @@
         </p:nvSpPr>
         <p:spPr>
           <a:xfrm>
-            <a:off x="867890" y="4158139"/>
-            <a:ext cx="4063824" cy="7703467"/>
+            <a:off x="991891" y="2159794"/>
+            <a:ext cx="4644443" cy="4001285"/>
           </a:xfrm>
         </p:spPr>
         <p:txBody>
@@ -2292,39 +2295,39 @@
           <a:lstStyle>
             <a:lvl1pPr marL="0" indent="0">
               <a:buNone/>
-              <a:defRPr sz="2205"/>
+              <a:defRPr sz="1680"/>
             </a:lvl1pPr>
-            <a:lvl2pPr marL="630022" indent="0">
-              <a:buNone/>
-              <a:defRPr sz="1929"/>
+            <a:lvl2pPr marL="479969" indent="0">
+              <a:buNone/>
+              <a:defRPr sz="1470"/>
             </a:lvl2pPr>
-            <a:lvl3pPr marL="1260043" indent="0">
-              <a:buNone/>
-              <a:defRPr sz="1654"/>
+            <a:lvl3pPr marL="959937" indent="0">
+              <a:buNone/>
+              <a:defRPr sz="1260"/>
             </a:lvl3pPr>
-            <a:lvl4pPr marL="1890065" indent="0">
-              <a:buNone/>
-              <a:defRPr sz="1378"/>
+            <a:lvl4pPr marL="1439906" indent="0">
+              <a:buNone/>
+              <a:defRPr sz="1050"/>
             </a:lvl4pPr>
-            <a:lvl5pPr marL="2520086" indent="0">
-              <a:buNone/>
-              <a:defRPr sz="1378"/>
+            <a:lvl5pPr marL="1919874" indent="0">
+              <a:buNone/>
+              <a:defRPr sz="1050"/>
             </a:lvl5pPr>
-            <a:lvl6pPr marL="3150108" indent="0">
-              <a:buNone/>
-              <a:defRPr sz="1378"/>
+            <a:lvl6pPr marL="2399843" indent="0">
+              <a:buNone/>
+              <a:defRPr sz="1050"/>
             </a:lvl6pPr>
-            <a:lvl7pPr marL="3780130" indent="0">
-              <a:buNone/>
-              <a:defRPr sz="1378"/>
+            <a:lvl7pPr marL="2879811" indent="0">
+              <a:buNone/>
+              <a:defRPr sz="1050"/>
             </a:lvl7pPr>
-            <a:lvl8pPr marL="4410151" indent="0">
-              <a:buNone/>
-              <a:defRPr sz="1378"/>
+            <a:lvl8pPr marL="3359780" indent="0">
+              <a:buNone/>
+              <a:defRPr sz="1050"/>
             </a:lvl8pPr>
-            <a:lvl9pPr marL="5040173" indent="0">
-              <a:buNone/>
-              <a:defRPr sz="1378"/>
+            <a:lvl9pPr marL="3839748" indent="0">
+              <a:buNone/>
+              <a:defRPr sz="1050"/>
             </a:lvl9pPr>
           </a:lstStyle>
           <a:p>
@@ -2353,7 +2356,7 @@
           <a:p>
             <a:fld id="{A198C7A8-F79D-4175-B575-7277BDCA6D30}" type="datetimeFigureOut">
               <a:rPr lang="en-GB" smtClean="0"/>
-              <a:t>28/02/2023</a:t>
+              <a:t>27/06/2023</a:t>
             </a:fld>
             <a:endParaRPr lang="en-GB"/>
           </a:p>
@@ -2404,7 +2407,7 @@
     </p:spTree>
     <p:extLst>
       <p:ext uri="{BB962C8B-B14F-4D97-AF65-F5344CB8AC3E}">
-        <p14:creationId xmlns:p14="http://schemas.microsoft.com/office/powerpoint/2010/main" val="340440542"/>
+        <p14:creationId xmlns:p14="http://schemas.microsoft.com/office/powerpoint/2010/main" val="2078573306"/>
       </p:ext>
     </p:extLst>
   </p:cSld>
@@ -2448,8 +2451,8 @@
         </p:nvSpPr>
         <p:spPr>
           <a:xfrm>
-            <a:off x="866249" y="737944"/>
-            <a:ext cx="10867490" cy="2679049"/>
+            <a:off x="990015" y="383297"/>
+            <a:ext cx="12420184" cy="1391534"/>
           </a:xfrm>
           <a:prstGeom prst="rect">
             <a:avLst/>
@@ -2481,8 +2484,8 @@
         </p:nvSpPr>
         <p:spPr>
           <a:xfrm>
-            <a:off x="866249" y="3689707"/>
-            <a:ext cx="10867490" cy="8794336"/>
+            <a:off x="990015" y="1916484"/>
+            <a:ext cx="12420184" cy="4567898"/>
           </a:xfrm>
           <a:prstGeom prst="rect">
             <a:avLst/>
@@ -2543,8 +2546,8 @@
         </p:nvSpPr>
         <p:spPr>
           <a:xfrm>
-            <a:off x="866249" y="12846599"/>
-            <a:ext cx="2834997" cy="737941"/>
+            <a:off x="990015" y="6672697"/>
+            <a:ext cx="3240048" cy="383297"/>
           </a:xfrm>
           <a:prstGeom prst="rect">
             <a:avLst/>
@@ -2554,7 +2557,7 @@
           <a:bodyPr vert="horz" lIns="91440" tIns="45720" rIns="91440" bIns="45720" rtlCol="0" anchor="ctr"/>
           <a:lstStyle>
             <a:lvl1pPr algn="l">
-              <a:defRPr sz="1654">
+              <a:defRPr sz="1260">
                 <a:solidFill>
                   <a:schemeClr val="tx1">
                     <a:tint val="75000"/>
@@ -2566,7 +2569,7 @@
           <a:p>
             <a:fld id="{A198C7A8-F79D-4175-B575-7277BDCA6D30}" type="datetimeFigureOut">
               <a:rPr lang="en-GB" smtClean="0"/>
-              <a:t>28/02/2023</a:t>
+              <a:t>27/06/2023</a:t>
             </a:fld>
             <a:endParaRPr lang="en-GB"/>
           </a:p>
@@ -2584,8 +2587,8 @@
         </p:nvSpPr>
         <p:spPr>
           <a:xfrm>
-            <a:off x="4173746" y="12846599"/>
-            <a:ext cx="4252496" cy="737941"/>
+            <a:off x="4770071" y="6672697"/>
+            <a:ext cx="4860072" cy="383297"/>
           </a:xfrm>
           <a:prstGeom prst="rect">
             <a:avLst/>
@@ -2595,7 +2598,7 @@
           <a:bodyPr vert="horz" lIns="91440" tIns="45720" rIns="91440" bIns="45720" rtlCol="0" anchor="ctr"/>
           <a:lstStyle>
             <a:lvl1pPr algn="ctr">
-              <a:defRPr sz="1654">
+              <a:defRPr sz="1260">
                 <a:solidFill>
                   <a:schemeClr val="tx1">
                     <a:tint val="75000"/>
@@ -2621,8 +2624,8 @@
         </p:nvSpPr>
         <p:spPr>
           <a:xfrm>
-            <a:off x="8898742" y="12846599"/>
-            <a:ext cx="2834997" cy="737941"/>
+            <a:off x="10170150" y="6672697"/>
+            <a:ext cx="3240048" cy="383297"/>
           </a:xfrm>
           <a:prstGeom prst="rect">
             <a:avLst/>
@@ -2632,7 +2635,7 @@
           <a:bodyPr vert="horz" lIns="91440" tIns="45720" rIns="91440" bIns="45720" rtlCol="0" anchor="ctr"/>
           <a:lstStyle>
             <a:lvl1pPr algn="r">
-              <a:defRPr sz="1654">
+              <a:defRPr sz="1260">
                 <a:solidFill>
                   <a:schemeClr val="tx1">
                     <a:tint val="75000"/>
@@ -2653,27 +2656,27 @@
     </p:spTree>
     <p:extLst>
       <p:ext uri="{BB962C8B-B14F-4D97-AF65-F5344CB8AC3E}">
-        <p14:creationId xmlns:p14="http://schemas.microsoft.com/office/powerpoint/2010/main" val="1191611936"/>
+        <p14:creationId xmlns:p14="http://schemas.microsoft.com/office/powerpoint/2010/main" val="713489041"/>
       </p:ext>
     </p:extLst>
   </p:cSld>
   <p:clrMap bg1="lt1" tx1="dk1" bg2="lt2" tx2="dk2" accent1="accent1" accent2="accent2" accent3="accent3" accent4="accent4" accent5="accent5" accent6="accent6" hlink="hlink" folHlink="folHlink"/>
   <p:sldLayoutIdLst>
-    <p:sldLayoutId id="2147483829" r:id="rId1"/>
-    <p:sldLayoutId id="2147483830" r:id="rId2"/>
-    <p:sldLayoutId id="2147483831" r:id="rId3"/>
-    <p:sldLayoutId id="2147483832" r:id="rId4"/>
-    <p:sldLayoutId id="2147483833" r:id="rId5"/>
-    <p:sldLayoutId id="2147483834" r:id="rId6"/>
-    <p:sldLayoutId id="2147483835" r:id="rId7"/>
-    <p:sldLayoutId id="2147483836" r:id="rId8"/>
-    <p:sldLayoutId id="2147483837" r:id="rId9"/>
-    <p:sldLayoutId id="2147483838" r:id="rId10"/>
-    <p:sldLayoutId id="2147483839" r:id="rId11"/>
+    <p:sldLayoutId id="2147483937" r:id="rId1"/>
+    <p:sldLayoutId id="2147483938" r:id="rId2"/>
+    <p:sldLayoutId id="2147483939" r:id="rId3"/>
+    <p:sldLayoutId id="2147483940" r:id="rId4"/>
+    <p:sldLayoutId id="2147483941" r:id="rId5"/>
+    <p:sldLayoutId id="2147483942" r:id="rId6"/>
+    <p:sldLayoutId id="2147483943" r:id="rId7"/>
+    <p:sldLayoutId id="2147483944" r:id="rId8"/>
+    <p:sldLayoutId id="2147483945" r:id="rId9"/>
+    <p:sldLayoutId id="2147483946" r:id="rId10"/>
+    <p:sldLayoutId id="2147483947" r:id="rId11"/>
   </p:sldLayoutIdLst>
   <p:txStyles>
     <p:titleStyle>
-      <a:lvl1pPr algn="l" defTabSz="1260043" rtl="0" eaLnBrk="1" latinLnBrk="0" hangingPunct="1">
+      <a:lvl1pPr algn="l" defTabSz="959937" rtl="0" eaLnBrk="1" latinLnBrk="0" hangingPunct="1">
         <a:lnSpc>
           <a:spcPct val="90000"/>
         </a:lnSpc>
@@ -2681,7 +2684,7 @@
           <a:spcPct val="0"/>
         </a:spcBef>
         <a:buNone/>
-        <a:defRPr sz="6063" kern="1200">
+        <a:defRPr sz="4619" kern="1200">
           <a:solidFill>
             <a:schemeClr val="tx1"/>
           </a:solidFill>
@@ -2692,16 +2695,16 @@
       </a:lvl1pPr>
     </p:titleStyle>
     <p:bodyStyle>
-      <a:lvl1pPr marL="315011" indent="-315011" algn="l" defTabSz="1260043" rtl="0" eaLnBrk="1" latinLnBrk="0" hangingPunct="1">
+      <a:lvl1pPr marL="239984" indent="-239984" algn="l" defTabSz="959937" rtl="0" eaLnBrk="1" latinLnBrk="0" hangingPunct="1">
         <a:lnSpc>
           <a:spcPct val="90000"/>
         </a:lnSpc>
         <a:spcBef>
-          <a:spcPts val="1378"/>
+          <a:spcPts val="1050"/>
         </a:spcBef>
         <a:buFont typeface="Arial" panose="020B0604020202020204" pitchFamily="34" charset="0"/>
         <a:buChar char="•"/>
-        <a:defRPr sz="3858" kern="1200">
+        <a:defRPr sz="2939" kern="1200">
           <a:solidFill>
             <a:schemeClr val="tx1"/>
           </a:solidFill>
@@ -2710,16 +2713,16 @@
           <a:cs typeface="+mn-cs"/>
         </a:defRPr>
       </a:lvl1pPr>
-      <a:lvl2pPr marL="945032" indent="-315011" algn="l" defTabSz="1260043" rtl="0" eaLnBrk="1" latinLnBrk="0" hangingPunct="1">
+      <a:lvl2pPr marL="719953" indent="-239984" algn="l" defTabSz="959937" rtl="0" eaLnBrk="1" latinLnBrk="0" hangingPunct="1">
         <a:lnSpc>
           <a:spcPct val="90000"/>
         </a:lnSpc>
         <a:spcBef>
-          <a:spcPts val="689"/>
+          <a:spcPts val="525"/>
         </a:spcBef>
         <a:buFont typeface="Arial" panose="020B0604020202020204" pitchFamily="34" charset="0"/>
         <a:buChar char="•"/>
-        <a:defRPr sz="3307" kern="1200">
+        <a:defRPr sz="2520" kern="1200">
           <a:solidFill>
             <a:schemeClr val="tx1"/>
           </a:solidFill>
@@ -2728,16 +2731,16 @@
           <a:cs typeface="+mn-cs"/>
         </a:defRPr>
       </a:lvl2pPr>
-      <a:lvl3pPr marL="1575054" indent="-315011" algn="l" defTabSz="1260043" rtl="0" eaLnBrk="1" latinLnBrk="0" hangingPunct="1">
+      <a:lvl3pPr marL="1199921" indent="-239984" algn="l" defTabSz="959937" rtl="0" eaLnBrk="1" latinLnBrk="0" hangingPunct="1">
         <a:lnSpc>
           <a:spcPct val="90000"/>
         </a:lnSpc>
         <a:spcBef>
-          <a:spcPts val="689"/>
+          <a:spcPts val="525"/>
         </a:spcBef>
         <a:buFont typeface="Arial" panose="020B0604020202020204" pitchFamily="34" charset="0"/>
         <a:buChar char="•"/>
-        <a:defRPr sz="2756" kern="1200">
+        <a:defRPr sz="2100" kern="1200">
           <a:solidFill>
             <a:schemeClr val="tx1"/>
           </a:solidFill>
@@ -2746,16 +2749,16 @@
           <a:cs typeface="+mn-cs"/>
         </a:defRPr>
       </a:lvl3pPr>
-      <a:lvl4pPr marL="2205076" indent="-315011" algn="l" defTabSz="1260043" rtl="0" eaLnBrk="1" latinLnBrk="0" hangingPunct="1">
+      <a:lvl4pPr marL="1679890" indent="-239984" algn="l" defTabSz="959937" rtl="0" eaLnBrk="1" latinLnBrk="0" hangingPunct="1">
         <a:lnSpc>
           <a:spcPct val="90000"/>
         </a:lnSpc>
         <a:spcBef>
-          <a:spcPts val="689"/>
+          <a:spcPts val="525"/>
         </a:spcBef>
         <a:buFont typeface="Arial" panose="020B0604020202020204" pitchFamily="34" charset="0"/>
         <a:buChar char="•"/>
-        <a:defRPr sz="2480" kern="1200">
+        <a:defRPr sz="1890" kern="1200">
           <a:solidFill>
             <a:schemeClr val="tx1"/>
           </a:solidFill>
@@ -2764,16 +2767,16 @@
           <a:cs typeface="+mn-cs"/>
         </a:defRPr>
       </a:lvl4pPr>
-      <a:lvl5pPr marL="2835097" indent="-315011" algn="l" defTabSz="1260043" rtl="0" eaLnBrk="1" latinLnBrk="0" hangingPunct="1">
+      <a:lvl5pPr marL="2159859" indent="-239984" algn="l" defTabSz="959937" rtl="0" eaLnBrk="1" latinLnBrk="0" hangingPunct="1">
         <a:lnSpc>
           <a:spcPct val="90000"/>
         </a:lnSpc>
         <a:spcBef>
-          <a:spcPts val="689"/>
+          <a:spcPts val="525"/>
         </a:spcBef>
         <a:buFont typeface="Arial" panose="020B0604020202020204" pitchFamily="34" charset="0"/>
         <a:buChar char="•"/>
-        <a:defRPr sz="2480" kern="1200">
+        <a:defRPr sz="1890" kern="1200">
           <a:solidFill>
             <a:schemeClr val="tx1"/>
           </a:solidFill>
@@ -2782,16 +2785,16 @@
           <a:cs typeface="+mn-cs"/>
         </a:defRPr>
       </a:lvl5pPr>
-      <a:lvl6pPr marL="3465119" indent="-315011" algn="l" defTabSz="1260043" rtl="0" eaLnBrk="1" latinLnBrk="0" hangingPunct="1">
+      <a:lvl6pPr marL="2639827" indent="-239984" algn="l" defTabSz="959937" rtl="0" eaLnBrk="1" latinLnBrk="0" hangingPunct="1">
         <a:lnSpc>
           <a:spcPct val="90000"/>
         </a:lnSpc>
         <a:spcBef>
-          <a:spcPts val="689"/>
+          <a:spcPts val="525"/>
         </a:spcBef>
         <a:buFont typeface="Arial" panose="020B0604020202020204" pitchFamily="34" charset="0"/>
         <a:buChar char="•"/>
-        <a:defRPr sz="2480" kern="1200">
+        <a:defRPr sz="1890" kern="1200">
           <a:solidFill>
             <a:schemeClr val="tx1"/>
           </a:solidFill>
@@ -2800,16 +2803,16 @@
           <a:cs typeface="+mn-cs"/>
         </a:defRPr>
       </a:lvl6pPr>
-      <a:lvl7pPr marL="4095140" indent="-315011" algn="l" defTabSz="1260043" rtl="0" eaLnBrk="1" latinLnBrk="0" hangingPunct="1">
+      <a:lvl7pPr marL="3119796" indent="-239984" algn="l" defTabSz="959937" rtl="0" eaLnBrk="1" latinLnBrk="0" hangingPunct="1">
         <a:lnSpc>
           <a:spcPct val="90000"/>
         </a:lnSpc>
         <a:spcBef>
-          <a:spcPts val="689"/>
+          <a:spcPts val="525"/>
         </a:spcBef>
         <a:buFont typeface="Arial" panose="020B0604020202020204" pitchFamily="34" charset="0"/>
         <a:buChar char="•"/>
-        <a:defRPr sz="2480" kern="1200">
+        <a:defRPr sz="1890" kern="1200">
           <a:solidFill>
             <a:schemeClr val="tx1"/>
           </a:solidFill>
@@ -2818,16 +2821,16 @@
           <a:cs typeface="+mn-cs"/>
         </a:defRPr>
       </a:lvl7pPr>
-      <a:lvl8pPr marL="4725162" indent="-315011" algn="l" defTabSz="1260043" rtl="0" eaLnBrk="1" latinLnBrk="0" hangingPunct="1">
+      <a:lvl8pPr marL="3599764" indent="-239984" algn="l" defTabSz="959937" rtl="0" eaLnBrk="1" latinLnBrk="0" hangingPunct="1">
         <a:lnSpc>
           <a:spcPct val="90000"/>
         </a:lnSpc>
         <a:spcBef>
-          <a:spcPts val="689"/>
+          <a:spcPts val="525"/>
         </a:spcBef>
         <a:buFont typeface="Arial" panose="020B0604020202020204" pitchFamily="34" charset="0"/>
         <a:buChar char="•"/>
-        <a:defRPr sz="2480" kern="1200">
+        <a:defRPr sz="1890" kern="1200">
           <a:solidFill>
             <a:schemeClr val="tx1"/>
           </a:solidFill>
@@ -2836,16 +2839,16 @@
           <a:cs typeface="+mn-cs"/>
         </a:defRPr>
       </a:lvl8pPr>
-      <a:lvl9pPr marL="5355184" indent="-315011" algn="l" defTabSz="1260043" rtl="0" eaLnBrk="1" latinLnBrk="0" hangingPunct="1">
+      <a:lvl9pPr marL="4079733" indent="-239984" algn="l" defTabSz="959937" rtl="0" eaLnBrk="1" latinLnBrk="0" hangingPunct="1">
         <a:lnSpc>
           <a:spcPct val="90000"/>
         </a:lnSpc>
         <a:spcBef>
-          <a:spcPts val="689"/>
+          <a:spcPts val="525"/>
         </a:spcBef>
         <a:buFont typeface="Arial" panose="020B0604020202020204" pitchFamily="34" charset="0"/>
         <a:buChar char="•"/>
-        <a:defRPr sz="2480" kern="1200">
+        <a:defRPr sz="1890" kern="1200">
           <a:solidFill>
             <a:schemeClr val="tx1"/>
           </a:solidFill>
@@ -2859,8 +2862,8 @@
       <a:defPPr>
         <a:defRPr lang="en-US"/>
       </a:defPPr>
-      <a:lvl1pPr marL="0" algn="l" defTabSz="1260043" rtl="0" eaLnBrk="1" latinLnBrk="0" hangingPunct="1">
-        <a:defRPr sz="2480" kern="1200">
+      <a:lvl1pPr marL="0" algn="l" defTabSz="959937" rtl="0" eaLnBrk="1" latinLnBrk="0" hangingPunct="1">
+        <a:defRPr sz="1890" kern="1200">
           <a:solidFill>
             <a:schemeClr val="tx1"/>
           </a:solidFill>
@@ -2869,8 +2872,8 @@
           <a:cs typeface="+mn-cs"/>
         </a:defRPr>
       </a:lvl1pPr>
-      <a:lvl2pPr marL="630022" algn="l" defTabSz="1260043" rtl="0" eaLnBrk="1" latinLnBrk="0" hangingPunct="1">
-        <a:defRPr sz="2480" kern="1200">
+      <a:lvl2pPr marL="479969" algn="l" defTabSz="959937" rtl="0" eaLnBrk="1" latinLnBrk="0" hangingPunct="1">
+        <a:defRPr sz="1890" kern="1200">
           <a:solidFill>
             <a:schemeClr val="tx1"/>
           </a:solidFill>
@@ -2879,8 +2882,8 @@
           <a:cs typeface="+mn-cs"/>
         </a:defRPr>
       </a:lvl2pPr>
-      <a:lvl3pPr marL="1260043" algn="l" defTabSz="1260043" rtl="0" eaLnBrk="1" latinLnBrk="0" hangingPunct="1">
-        <a:defRPr sz="2480" kern="1200">
+      <a:lvl3pPr marL="959937" algn="l" defTabSz="959937" rtl="0" eaLnBrk="1" latinLnBrk="0" hangingPunct="1">
+        <a:defRPr sz="1890" kern="1200">
           <a:solidFill>
             <a:schemeClr val="tx1"/>
           </a:solidFill>
@@ -2889,8 +2892,8 @@
           <a:cs typeface="+mn-cs"/>
         </a:defRPr>
       </a:lvl3pPr>
-      <a:lvl4pPr marL="1890065" algn="l" defTabSz="1260043" rtl="0" eaLnBrk="1" latinLnBrk="0" hangingPunct="1">
-        <a:defRPr sz="2480" kern="1200">
+      <a:lvl4pPr marL="1439906" algn="l" defTabSz="959937" rtl="0" eaLnBrk="1" latinLnBrk="0" hangingPunct="1">
+        <a:defRPr sz="1890" kern="1200">
           <a:solidFill>
             <a:schemeClr val="tx1"/>
           </a:solidFill>
@@ -2899,8 +2902,8 @@
           <a:cs typeface="+mn-cs"/>
         </a:defRPr>
       </a:lvl4pPr>
-      <a:lvl5pPr marL="2520086" algn="l" defTabSz="1260043" rtl="0" eaLnBrk="1" latinLnBrk="0" hangingPunct="1">
-        <a:defRPr sz="2480" kern="1200">
+      <a:lvl5pPr marL="1919874" algn="l" defTabSz="959937" rtl="0" eaLnBrk="1" latinLnBrk="0" hangingPunct="1">
+        <a:defRPr sz="1890" kern="1200">
           <a:solidFill>
             <a:schemeClr val="tx1"/>
           </a:solidFill>
@@ -2909,8 +2912,8 @@
           <a:cs typeface="+mn-cs"/>
         </a:defRPr>
       </a:lvl5pPr>
-      <a:lvl6pPr marL="3150108" algn="l" defTabSz="1260043" rtl="0" eaLnBrk="1" latinLnBrk="0" hangingPunct="1">
-        <a:defRPr sz="2480" kern="1200">
+      <a:lvl6pPr marL="2399843" algn="l" defTabSz="959937" rtl="0" eaLnBrk="1" latinLnBrk="0" hangingPunct="1">
+        <a:defRPr sz="1890" kern="1200">
           <a:solidFill>
             <a:schemeClr val="tx1"/>
           </a:solidFill>
@@ -2919,8 +2922,8 @@
           <a:cs typeface="+mn-cs"/>
         </a:defRPr>
       </a:lvl6pPr>
-      <a:lvl7pPr marL="3780130" algn="l" defTabSz="1260043" rtl="0" eaLnBrk="1" latinLnBrk="0" hangingPunct="1">
-        <a:defRPr sz="2480" kern="1200">
+      <a:lvl7pPr marL="2879811" algn="l" defTabSz="959937" rtl="0" eaLnBrk="1" latinLnBrk="0" hangingPunct="1">
+        <a:defRPr sz="1890" kern="1200">
           <a:solidFill>
             <a:schemeClr val="tx1"/>
           </a:solidFill>
@@ -2929,8 +2932,8 @@
           <a:cs typeface="+mn-cs"/>
         </a:defRPr>
       </a:lvl7pPr>
-      <a:lvl8pPr marL="4410151" algn="l" defTabSz="1260043" rtl="0" eaLnBrk="1" latinLnBrk="0" hangingPunct="1">
-        <a:defRPr sz="2480" kern="1200">
+      <a:lvl8pPr marL="3359780" algn="l" defTabSz="959937" rtl="0" eaLnBrk="1" latinLnBrk="0" hangingPunct="1">
+        <a:defRPr sz="1890" kern="1200">
           <a:solidFill>
             <a:schemeClr val="tx1"/>
           </a:solidFill>
@@ -2939,8 +2942,8 @@
           <a:cs typeface="+mn-cs"/>
         </a:defRPr>
       </a:lvl8pPr>
-      <a:lvl9pPr marL="5040173" algn="l" defTabSz="1260043" rtl="0" eaLnBrk="1" latinLnBrk="0" hangingPunct="1">
-        <a:defRPr sz="2480" kern="1200">
+      <a:lvl9pPr marL="3839748" algn="l" defTabSz="959937" rtl="0" eaLnBrk="1" latinLnBrk="0" hangingPunct="1">
+        <a:defRPr sz="1890" kern="1200">
           <a:solidFill>
             <a:schemeClr val="tx1"/>
           </a:solidFill>
@@ -2985,8 +2988,8 @@
         </p:nvSpPr>
         <p:spPr>
           <a:xfrm>
-            <a:off x="262781" y="381000"/>
-            <a:ext cx="4112923" cy="2590800"/>
+            <a:off x="2025466" y="-2013853"/>
+            <a:ext cx="3525289" cy="2220639"/>
           </a:xfrm>
           <a:prstGeom prst="roundRect">
             <a:avLst/>
@@ -3011,7 +3014,7 @@
           <a:lstStyle/>
           <a:p>
             <a:pPr algn="ctr"/>
-            <a:endParaRPr lang="en-GB">
+            <a:endParaRPr lang="en-GB" sz="1543">
               <a:latin typeface="Arial" panose="020B0604020202020204" pitchFamily="34" charset="0"/>
               <a:cs typeface="Arial" panose="020B0604020202020204" pitchFamily="34" charset="0"/>
             </a:endParaRPr>
@@ -3045,8 +3048,8 @@
         </p:blipFill>
         <p:spPr>
           <a:xfrm>
-            <a:off x="4919009" y="0"/>
-            <a:ext cx="7680974" cy="3657607"/>
+            <a:off x="6016428" y="-2340416"/>
+            <a:ext cx="6583554" cy="3135026"/>
           </a:xfrm>
           <a:prstGeom prst="rect">
             <a:avLst/>
@@ -3067,8 +3070,8 @@
         </p:nvSpPr>
         <p:spPr>
           <a:xfrm>
-            <a:off x="358028" y="616059"/>
-            <a:ext cx="3922428" cy="2246769"/>
+            <a:off x="2107103" y="-1812376"/>
+            <a:ext cx="3362010" cy="1938992"/>
           </a:xfrm>
           <a:prstGeom prst="rect">
             <a:avLst/>
@@ -3082,7 +3085,7 @@
           <a:lstStyle/>
           <a:p>
             <a:r>
-              <a:rPr lang="en-GB" sz="2800" dirty="0">
+              <a:rPr lang="en-GB" sz="2400" dirty="0">
                 <a:latin typeface="Arial" panose="020B0604020202020204" pitchFamily="34" charset="0"/>
                 <a:cs typeface="Arial" panose="020B0604020202020204" pitchFamily="34" charset="0"/>
               </a:rPr>
@@ -3119,8 +3122,8 @@
         </p:blipFill>
         <p:spPr>
           <a:xfrm>
-            <a:off x="4919013" y="3427503"/>
-            <a:ext cx="7680975" cy="3657607"/>
+            <a:off x="6016436" y="597386"/>
+            <a:ext cx="6583556" cy="3135026"/>
           </a:xfrm>
           <a:prstGeom prst="rect">
             <a:avLst/>
@@ -3155,8 +3158,8 @@
         </p:blipFill>
         <p:spPr>
           <a:xfrm>
-            <a:off x="4919012" y="6880597"/>
-            <a:ext cx="7680975" cy="3657607"/>
+            <a:off x="6016436" y="3557119"/>
+            <a:ext cx="6583556" cy="3135026"/>
           </a:xfrm>
           <a:prstGeom prst="rect">
             <a:avLst/>
@@ -3190,8 +3193,8 @@
         </p:blipFill>
         <p:spPr>
           <a:xfrm>
-            <a:off x="4375704" y="10267289"/>
-            <a:ext cx="8242417" cy="3924961"/>
+            <a:off x="5550757" y="6459935"/>
+            <a:ext cx="7064780" cy="3364181"/>
           </a:xfrm>
           <a:prstGeom prst="rect">
             <a:avLst/>
@@ -3212,8 +3215,8 @@
         </p:nvSpPr>
         <p:spPr>
           <a:xfrm>
-            <a:off x="262781" y="3767692"/>
-            <a:ext cx="4112923" cy="2590800"/>
+            <a:off x="2025465" y="888970"/>
+            <a:ext cx="3525288" cy="2220639"/>
           </a:xfrm>
           <a:prstGeom prst="roundRect">
             <a:avLst/>
@@ -3238,7 +3241,7 @@
           <a:lstStyle/>
           <a:p>
             <a:pPr algn="ctr"/>
-            <a:endParaRPr lang="en-GB">
+            <a:endParaRPr lang="en-GB" sz="1543">
               <a:latin typeface="Arial" panose="020B0604020202020204" pitchFamily="34" charset="0"/>
               <a:cs typeface="Arial" panose="020B0604020202020204" pitchFamily="34" charset="0"/>
             </a:endParaRPr>
@@ -3259,8 +3262,8 @@
         </p:nvSpPr>
         <p:spPr>
           <a:xfrm>
-            <a:off x="358028" y="4155151"/>
-            <a:ext cx="3922428" cy="1815882"/>
+            <a:off x="2107104" y="1221068"/>
+            <a:ext cx="3362010" cy="1569660"/>
           </a:xfrm>
           <a:prstGeom prst="rect">
             <a:avLst/>
@@ -3274,7 +3277,7 @@
           <a:lstStyle/>
           <a:p>
             <a:r>
-              <a:rPr lang="en-GB" sz="2800" dirty="0">
+              <a:rPr lang="en-GB" sz="2400" dirty="0">
                 <a:latin typeface="Arial" panose="020B0604020202020204" pitchFamily="34" charset="0"/>
                 <a:cs typeface="Arial" panose="020B0604020202020204" pitchFamily="34" charset="0"/>
               </a:rPr>
@@ -3297,8 +3300,8 @@
         </p:nvSpPr>
         <p:spPr>
           <a:xfrm>
-            <a:off x="262781" y="7289030"/>
-            <a:ext cx="4112923" cy="2590800"/>
+            <a:off x="2025465" y="3907197"/>
+            <a:ext cx="3525288" cy="2220639"/>
           </a:xfrm>
           <a:prstGeom prst="roundRect">
             <a:avLst/>
@@ -3323,7 +3326,7 @@
           <a:lstStyle/>
           <a:p>
             <a:pPr algn="ctr"/>
-            <a:endParaRPr lang="en-GB">
+            <a:endParaRPr lang="en-GB" sz="1543">
               <a:latin typeface="Arial" panose="020B0604020202020204" pitchFamily="34" charset="0"/>
               <a:cs typeface="Arial" panose="020B0604020202020204" pitchFamily="34" charset="0"/>
             </a:endParaRPr>
@@ -3344,8 +3347,8 @@
         </p:nvSpPr>
         <p:spPr>
           <a:xfrm>
-            <a:off x="358028" y="7676489"/>
-            <a:ext cx="3922428" cy="1815882"/>
+            <a:off x="2107104" y="4239295"/>
+            <a:ext cx="3362010" cy="1569660"/>
           </a:xfrm>
           <a:prstGeom prst="rect">
             <a:avLst/>
@@ -3359,7 +3362,7 @@
           <a:lstStyle/>
           <a:p>
             <a:r>
-              <a:rPr lang="en-GB" sz="2800" dirty="0">
+              <a:rPr lang="en-GB" sz="2400" dirty="0">
                 <a:latin typeface="Arial" panose="020B0604020202020204" pitchFamily="34" charset="0"/>
                 <a:cs typeface="Arial" panose="020B0604020202020204" pitchFamily="34" charset="0"/>
               </a:rPr>
@@ -3382,8 +3385,8 @@
         </p:nvSpPr>
         <p:spPr>
           <a:xfrm>
-            <a:off x="262781" y="10707998"/>
-            <a:ext cx="4112923" cy="2590800"/>
+            <a:off x="2025465" y="6837678"/>
+            <a:ext cx="3525288" cy="2220639"/>
           </a:xfrm>
           <a:prstGeom prst="roundRect">
             <a:avLst/>
@@ -3408,7 +3411,7 @@
           <a:lstStyle/>
           <a:p>
             <a:pPr algn="ctr"/>
-            <a:endParaRPr lang="en-GB">
+            <a:endParaRPr lang="en-GB" sz="1543">
               <a:latin typeface="Arial" panose="020B0604020202020204" pitchFamily="34" charset="0"/>
               <a:cs typeface="Arial" panose="020B0604020202020204" pitchFamily="34" charset="0"/>
             </a:endParaRPr>
@@ -3429,8 +3432,8 @@
         </p:nvSpPr>
         <p:spPr>
           <a:xfrm>
-            <a:off x="358028" y="10904957"/>
-            <a:ext cx="3922428" cy="2246769"/>
+            <a:off x="2107104" y="7006498"/>
+            <a:ext cx="3362010" cy="1938992"/>
           </a:xfrm>
           <a:prstGeom prst="rect">
             <a:avLst/>
@@ -3444,7 +3447,7 @@
           <a:lstStyle/>
           <a:p>
             <a:r>
-              <a:rPr lang="en-GB" sz="2800" dirty="0">
+              <a:rPr lang="en-GB" sz="2400" dirty="0">
                 <a:latin typeface="Arial" panose="020B0604020202020204" pitchFamily="34" charset="0"/>
                 <a:cs typeface="Arial" panose="020B0604020202020204" pitchFamily="34" charset="0"/>
               </a:rPr>
@@ -3457,6 +3460,486 @@
     <p:extLst>
       <p:ext uri="{BB962C8B-B14F-4D97-AF65-F5344CB8AC3E}">
         <p14:creationId xmlns:p14="http://schemas.microsoft.com/office/powerpoint/2010/main" val="2492436621"/>
+      </p:ext>
+    </p:extLst>
+  </p:cSld>
+  <p:clrMapOvr>
+    <a:masterClrMapping/>
+  </p:clrMapOvr>
+</p:sld>
+</file>
+
+<file path=ppt/slides/slide2.xml><?xml version="1.0" encoding="utf-8"?>
+<p:sld xmlns:a="http://schemas.openxmlformats.org/drawingml/2006/main" xmlns:r="http://schemas.openxmlformats.org/officeDocument/2006/relationships" xmlns:p="http://schemas.openxmlformats.org/presentationml/2006/main">
+  <p:cSld>
+    <p:spTree>
+      <p:nvGrpSpPr>
+        <p:cNvPr id="1" name=""/>
+        <p:cNvGrpSpPr/>
+        <p:nvPr/>
+      </p:nvGrpSpPr>
+      <p:grpSpPr>
+        <a:xfrm>
+          <a:off x="0" y="0"/>
+          <a:ext cx="0" cy="0"/>
+          <a:chOff x="0" y="0"/>
+          <a:chExt cx="0" cy="0"/>
+        </a:xfrm>
+      </p:grpSpPr>
+      <p:pic>
+        <p:nvPicPr>
+          <p:cNvPr id="11" name="Picture 10">
+            <a:extLst>
+              <a:ext uri="{FF2B5EF4-FFF2-40B4-BE49-F238E27FC236}">
+                <a16:creationId xmlns:a16="http://schemas.microsoft.com/office/drawing/2014/main" id="{CF028D27-8B7F-509A-5AC8-5B32C3D725D6}"/>
+              </a:ext>
+            </a:extLst>
+          </p:cNvPr>
+          <p:cNvPicPr>
+            <a:picLocks noChangeAspect="1"/>
+          </p:cNvPicPr>
+          <p:nvPr/>
+        </p:nvPicPr>
+        <p:blipFill>
+          <a:blip r:embed="rId2">
+            <a:extLst>
+              <a:ext uri="{28A0092B-C50C-407E-A947-70E740481C1C}">
+                <a14:useLocalDpi xmlns:a14="http://schemas.microsoft.com/office/drawing/2010/main" val="0"/>
+              </a:ext>
+            </a:extLst>
+          </a:blip>
+          <a:srcRect/>
+          <a:stretch/>
+        </p:blipFill>
+        <p:spPr>
+          <a:xfrm>
+            <a:off x="-33337" y="405082"/>
+            <a:ext cx="6583554" cy="3135026"/>
+          </a:xfrm>
+          <a:prstGeom prst="rect">
+            <a:avLst/>
+          </a:prstGeom>
+        </p:spPr>
+      </p:pic>
+      <p:pic>
+        <p:nvPicPr>
+          <p:cNvPr id="19" name="Picture 18">
+            <a:extLst>
+              <a:ext uri="{FF2B5EF4-FFF2-40B4-BE49-F238E27FC236}">
+                <a16:creationId xmlns:a16="http://schemas.microsoft.com/office/drawing/2014/main" id="{281DB8DF-0576-2AA2-A45E-409184D3BCB7}"/>
+              </a:ext>
+            </a:extLst>
+          </p:cNvPr>
+          <p:cNvPicPr>
+            <a:picLocks noChangeAspect="1"/>
+          </p:cNvPicPr>
+          <p:nvPr/>
+        </p:nvPicPr>
+        <p:blipFill>
+          <a:blip r:embed="rId3">
+            <a:extLst>
+              <a:ext uri="{28A0092B-C50C-407E-A947-70E740481C1C}">
+                <a14:useLocalDpi xmlns:a14="http://schemas.microsoft.com/office/drawing/2010/main" val="0"/>
+              </a:ext>
+            </a:extLst>
+          </a:blip>
+          <a:stretch>
+            <a:fillRect/>
+          </a:stretch>
+        </p:blipFill>
+        <p:spPr>
+          <a:xfrm>
+            <a:off x="7772871" y="405082"/>
+            <a:ext cx="6583556" cy="3135026"/>
+          </a:xfrm>
+          <a:prstGeom prst="rect">
+            <a:avLst/>
+          </a:prstGeom>
+        </p:spPr>
+      </p:pic>
+      <p:pic>
+        <p:nvPicPr>
+          <p:cNvPr id="30" name="Picture 29">
+            <a:extLst>
+              <a:ext uri="{FF2B5EF4-FFF2-40B4-BE49-F238E27FC236}">
+                <a16:creationId xmlns:a16="http://schemas.microsoft.com/office/drawing/2014/main" id="{3B3A75E8-4B5A-C968-C040-BFDE0709E6FF}"/>
+              </a:ext>
+            </a:extLst>
+          </p:cNvPr>
+          <p:cNvPicPr>
+            <a:picLocks noChangeAspect="1"/>
+          </p:cNvPicPr>
+          <p:nvPr/>
+        </p:nvPicPr>
+        <p:blipFill>
+          <a:blip r:embed="rId4">
+            <a:extLst>
+              <a:ext uri="{28A0092B-C50C-407E-A947-70E740481C1C}">
+                <a14:useLocalDpi xmlns:a14="http://schemas.microsoft.com/office/drawing/2010/main" val="0"/>
+              </a:ext>
+            </a:extLst>
+          </a:blip>
+          <a:stretch>
+            <a:fillRect/>
+          </a:stretch>
+        </p:blipFill>
+        <p:spPr>
+          <a:xfrm>
+            <a:off x="-33339" y="4062298"/>
+            <a:ext cx="6583556" cy="3135026"/>
+          </a:xfrm>
+          <a:prstGeom prst="rect">
+            <a:avLst/>
+          </a:prstGeom>
+        </p:spPr>
+      </p:pic>
+      <p:pic>
+        <p:nvPicPr>
+          <p:cNvPr id="34" name="Picture 33">
+            <a:extLst>
+              <a:ext uri="{FF2B5EF4-FFF2-40B4-BE49-F238E27FC236}">
+                <a16:creationId xmlns:a16="http://schemas.microsoft.com/office/drawing/2014/main" id="{45E81798-3647-49C7-CFDB-F238CBCC368E}"/>
+              </a:ext>
+            </a:extLst>
+          </p:cNvPr>
+          <p:cNvPicPr>
+            <a:picLocks noChangeAspect="1"/>
+          </p:cNvPicPr>
+          <p:nvPr/>
+        </p:nvPicPr>
+        <p:blipFill>
+          <a:blip r:embed="rId5">
+            <a:extLst>
+              <a:ext uri="{28A0092B-C50C-407E-A947-70E740481C1C}">
+                <a14:useLocalDpi xmlns:a14="http://schemas.microsoft.com/office/drawing/2010/main" val="0"/>
+              </a:ext>
+            </a:extLst>
+          </a:blip>
+          <a:srcRect/>
+          <a:stretch/>
+        </p:blipFill>
+        <p:spPr>
+          <a:xfrm>
+            <a:off x="7291643" y="4062297"/>
+            <a:ext cx="7064780" cy="3364181"/>
+          </a:xfrm>
+          <a:prstGeom prst="rect">
+            <a:avLst/>
+          </a:prstGeom>
+        </p:spPr>
+      </p:pic>
+      <p:sp>
+        <p:nvSpPr>
+          <p:cNvPr id="5" name="TextBox 4">
+            <a:extLst>
+              <a:ext uri="{FF2B5EF4-FFF2-40B4-BE49-F238E27FC236}">
+                <a16:creationId xmlns:a16="http://schemas.microsoft.com/office/drawing/2014/main" id="{C88B8603-46FC-889A-4019-EC26DA43E9F3}"/>
+              </a:ext>
+            </a:extLst>
+          </p:cNvPr>
+          <p:cNvSpPr txBox="1"/>
+          <p:nvPr/>
+        </p:nvSpPr>
+        <p:spPr>
+          <a:xfrm>
+            <a:off x="1373089" y="-43385"/>
+            <a:ext cx="4313551" cy="461665"/>
+          </a:xfrm>
+          <a:prstGeom prst="rect">
+            <a:avLst/>
+          </a:prstGeom>
+          <a:noFill/>
+        </p:spPr>
+        <p:txBody>
+          <a:bodyPr wrap="square" rtlCol="0">
+            <a:spAutoFit/>
+          </a:bodyPr>
+          <a:lstStyle/>
+          <a:p>
+            <a:pPr algn="ctr"/>
+            <a:r>
+              <a:rPr lang="en-GB" sz="2400" dirty="0">
+                <a:latin typeface="Times New Roman" panose="02020603050405020304" pitchFamily="18" charset="0"/>
+                <a:cs typeface="Times New Roman" panose="02020603050405020304" pitchFamily="18" charset="0"/>
+              </a:rPr>
+              <a:t>Sampling extent</a:t>
+            </a:r>
+          </a:p>
+        </p:txBody>
+      </p:sp>
+      <p:sp>
+        <p:nvSpPr>
+          <p:cNvPr id="6" name="TextBox 5">
+            <a:extLst>
+              <a:ext uri="{FF2B5EF4-FFF2-40B4-BE49-F238E27FC236}">
+                <a16:creationId xmlns:a16="http://schemas.microsoft.com/office/drawing/2014/main" id="{D3BAC515-5566-CC96-89F3-651287474E15}"/>
+              </a:ext>
+            </a:extLst>
+          </p:cNvPr>
+          <p:cNvSpPr txBox="1"/>
+          <p:nvPr/>
+        </p:nvSpPr>
+        <p:spPr>
+          <a:xfrm>
+            <a:off x="9136610" y="-43385"/>
+            <a:ext cx="4313551" cy="461665"/>
+          </a:xfrm>
+          <a:prstGeom prst="rect">
+            <a:avLst/>
+          </a:prstGeom>
+          <a:noFill/>
+        </p:spPr>
+        <p:txBody>
+          <a:bodyPr wrap="square" rtlCol="0">
+            <a:spAutoFit/>
+          </a:bodyPr>
+          <a:lstStyle/>
+          <a:p>
+            <a:pPr algn="ctr"/>
+            <a:r>
+              <a:rPr lang="en-GB" sz="2400" dirty="0">
+                <a:latin typeface="Times New Roman" panose="02020603050405020304" pitchFamily="18" charset="0"/>
+                <a:cs typeface="Times New Roman" panose="02020603050405020304" pitchFamily="18" charset="0"/>
+              </a:rPr>
+              <a:t>Complexity factors</a:t>
+            </a:r>
+          </a:p>
+        </p:txBody>
+      </p:sp>
+      <p:sp>
+        <p:nvSpPr>
+          <p:cNvPr id="7" name="TextBox 6">
+            <a:extLst>
+              <a:ext uri="{FF2B5EF4-FFF2-40B4-BE49-F238E27FC236}">
+                <a16:creationId xmlns:a16="http://schemas.microsoft.com/office/drawing/2014/main" id="{15F26DDC-C0D9-CAEC-71F4-F70768551216}"/>
+              </a:ext>
+            </a:extLst>
+          </p:cNvPr>
+          <p:cNvSpPr txBox="1"/>
+          <p:nvPr/>
+        </p:nvSpPr>
+        <p:spPr>
+          <a:xfrm>
+            <a:off x="1373085" y="3659204"/>
+            <a:ext cx="4313551" cy="461665"/>
+          </a:xfrm>
+          <a:prstGeom prst="rect">
+            <a:avLst/>
+          </a:prstGeom>
+          <a:noFill/>
+        </p:spPr>
+        <p:txBody>
+          <a:bodyPr wrap="square" rtlCol="0">
+            <a:spAutoFit/>
+          </a:bodyPr>
+          <a:lstStyle/>
+          <a:p>
+            <a:pPr algn="ctr"/>
+            <a:r>
+              <a:rPr lang="en-GB" sz="2400" dirty="0">
+                <a:latin typeface="Times New Roman" panose="02020603050405020304" pitchFamily="18" charset="0"/>
+                <a:cs typeface="Times New Roman" panose="02020603050405020304" pitchFamily="18" charset="0"/>
+              </a:rPr>
+              <a:t>Policy reference</a:t>
+            </a:r>
+          </a:p>
+        </p:txBody>
+      </p:sp>
+      <p:sp>
+        <p:nvSpPr>
+          <p:cNvPr id="8" name="TextBox 7">
+            <a:extLst>
+              <a:ext uri="{FF2B5EF4-FFF2-40B4-BE49-F238E27FC236}">
+                <a16:creationId xmlns:a16="http://schemas.microsoft.com/office/drawing/2014/main" id="{FE6C7B64-5DC4-F037-DD8E-2072F02FA360}"/>
+              </a:ext>
+            </a:extLst>
+          </p:cNvPr>
+          <p:cNvSpPr txBox="1"/>
+          <p:nvPr/>
+        </p:nvSpPr>
+        <p:spPr>
+          <a:xfrm>
+            <a:off x="8683474" y="3613834"/>
+            <a:ext cx="5219816" cy="461665"/>
+          </a:xfrm>
+          <a:prstGeom prst="rect">
+            <a:avLst/>
+          </a:prstGeom>
+          <a:noFill/>
+        </p:spPr>
+        <p:txBody>
+          <a:bodyPr wrap="square" rtlCol="0">
+            <a:spAutoFit/>
+          </a:bodyPr>
+          <a:lstStyle/>
+          <a:p>
+            <a:pPr algn="ctr"/>
+            <a:r>
+              <a:rPr lang="en-GB" sz="2400" dirty="0">
+                <a:latin typeface="Times New Roman" panose="02020603050405020304" pitchFamily="18" charset="0"/>
+                <a:cs typeface="Times New Roman" panose="02020603050405020304" pitchFamily="18" charset="0"/>
+              </a:rPr>
+              <a:t>Probability of stakeholder involvement</a:t>
+            </a:r>
+          </a:p>
+        </p:txBody>
+      </p:sp>
+      <p:sp>
+        <p:nvSpPr>
+          <p:cNvPr id="2" name="TextBox 1">
+            <a:extLst>
+              <a:ext uri="{FF2B5EF4-FFF2-40B4-BE49-F238E27FC236}">
+                <a16:creationId xmlns:a16="http://schemas.microsoft.com/office/drawing/2014/main" id="{DA12722D-74DF-1239-B626-D78B04DA9517}"/>
+              </a:ext>
+            </a:extLst>
+          </p:cNvPr>
+          <p:cNvSpPr txBox="1"/>
+          <p:nvPr/>
+        </p:nvSpPr>
+        <p:spPr>
+          <a:xfrm>
+            <a:off x="62540" y="-43385"/>
+            <a:ext cx="659218" cy="461665"/>
+          </a:xfrm>
+          <a:prstGeom prst="rect">
+            <a:avLst/>
+          </a:prstGeom>
+          <a:noFill/>
+        </p:spPr>
+        <p:txBody>
+          <a:bodyPr wrap="square" rtlCol="0">
+            <a:spAutoFit/>
+          </a:bodyPr>
+          <a:lstStyle/>
+          <a:p>
+            <a:r>
+              <a:rPr lang="en-GB" sz="2400" b="1" dirty="0">
+                <a:latin typeface="Times New Roman" panose="02020603050405020304" pitchFamily="18" charset="0"/>
+                <a:cs typeface="Times New Roman" panose="02020603050405020304" pitchFamily="18" charset="0"/>
+              </a:rPr>
+              <a:t>a</a:t>
+            </a:r>
+          </a:p>
+        </p:txBody>
+      </p:sp>
+      <p:sp>
+        <p:nvSpPr>
+          <p:cNvPr id="3" name="TextBox 2">
+            <a:extLst>
+              <a:ext uri="{FF2B5EF4-FFF2-40B4-BE49-F238E27FC236}">
+                <a16:creationId xmlns:a16="http://schemas.microsoft.com/office/drawing/2014/main" id="{8367D6A3-3C34-6072-BBDE-306DF3D2CEE7}"/>
+              </a:ext>
+            </a:extLst>
+          </p:cNvPr>
+          <p:cNvSpPr txBox="1"/>
+          <p:nvPr/>
+        </p:nvSpPr>
+        <p:spPr>
+          <a:xfrm>
+            <a:off x="8014210" y="-76308"/>
+            <a:ext cx="659218" cy="461665"/>
+          </a:xfrm>
+          <a:prstGeom prst="rect">
+            <a:avLst/>
+          </a:prstGeom>
+          <a:noFill/>
+        </p:spPr>
+        <p:txBody>
+          <a:bodyPr wrap="square" rtlCol="0">
+            <a:spAutoFit/>
+          </a:bodyPr>
+          <a:lstStyle/>
+          <a:p>
+            <a:r>
+              <a:rPr lang="en-GB" sz="2400" b="1" dirty="0">
+                <a:latin typeface="Times New Roman" panose="02020603050405020304" pitchFamily="18" charset="0"/>
+                <a:cs typeface="Times New Roman" panose="02020603050405020304" pitchFamily="18" charset="0"/>
+              </a:rPr>
+              <a:t>b</a:t>
+            </a:r>
+          </a:p>
+        </p:txBody>
+      </p:sp>
+      <p:sp>
+        <p:nvSpPr>
+          <p:cNvPr id="4" name="TextBox 3">
+            <a:extLst>
+              <a:ext uri="{FF2B5EF4-FFF2-40B4-BE49-F238E27FC236}">
+                <a16:creationId xmlns:a16="http://schemas.microsoft.com/office/drawing/2014/main" id="{1C95E03B-2A5B-3147-B147-D5F9731EAAEE}"/>
+              </a:ext>
+            </a:extLst>
+          </p:cNvPr>
+          <p:cNvSpPr txBox="1"/>
+          <p:nvPr/>
+        </p:nvSpPr>
+        <p:spPr>
+          <a:xfrm>
+            <a:off x="55809" y="3629920"/>
+            <a:ext cx="659218" cy="461665"/>
+          </a:xfrm>
+          <a:prstGeom prst="rect">
+            <a:avLst/>
+          </a:prstGeom>
+          <a:noFill/>
+        </p:spPr>
+        <p:txBody>
+          <a:bodyPr wrap="square" rtlCol="0">
+            <a:spAutoFit/>
+          </a:bodyPr>
+          <a:lstStyle/>
+          <a:p>
+            <a:r>
+              <a:rPr lang="en-GB" sz="2400" b="1" dirty="0">
+                <a:latin typeface="Times New Roman" panose="02020603050405020304" pitchFamily="18" charset="0"/>
+                <a:cs typeface="Times New Roman" panose="02020603050405020304" pitchFamily="18" charset="0"/>
+              </a:rPr>
+              <a:t>c</a:t>
+            </a:r>
+          </a:p>
+        </p:txBody>
+      </p:sp>
+      <p:sp>
+        <p:nvSpPr>
+          <p:cNvPr id="9" name="TextBox 8">
+            <a:extLst>
+              <a:ext uri="{FF2B5EF4-FFF2-40B4-BE49-F238E27FC236}">
+                <a16:creationId xmlns:a16="http://schemas.microsoft.com/office/drawing/2014/main" id="{526C7A29-8010-7F2A-13C9-C2C346FE49EB}"/>
+              </a:ext>
+            </a:extLst>
+          </p:cNvPr>
+          <p:cNvSpPr txBox="1"/>
+          <p:nvPr/>
+        </p:nvSpPr>
+        <p:spPr>
+          <a:xfrm>
+            <a:off x="7942048" y="3629920"/>
+            <a:ext cx="659218" cy="461665"/>
+          </a:xfrm>
+          <a:prstGeom prst="rect">
+            <a:avLst/>
+          </a:prstGeom>
+          <a:noFill/>
+        </p:spPr>
+        <p:txBody>
+          <a:bodyPr wrap="square" rtlCol="0">
+            <a:spAutoFit/>
+          </a:bodyPr>
+          <a:lstStyle/>
+          <a:p>
+            <a:r>
+              <a:rPr lang="en-GB" sz="2400" b="1" dirty="0">
+                <a:latin typeface="Times New Roman" panose="02020603050405020304" pitchFamily="18" charset="0"/>
+                <a:cs typeface="Times New Roman" panose="02020603050405020304" pitchFamily="18" charset="0"/>
+              </a:rPr>
+              <a:t>d</a:t>
+            </a:r>
+          </a:p>
+        </p:txBody>
+      </p:sp>
+    </p:spTree>
+    <p:extLst>
+      <p:ext uri="{BB962C8B-B14F-4D97-AF65-F5344CB8AC3E}">
+        <p14:creationId xmlns:p14="http://schemas.microsoft.com/office/powerpoint/2010/main" val="3047336130"/>
       </p:ext>
     </p:extLst>
   </p:cSld>
